--- a/sd/module7/BCE_7_3.pptx
+++ b/sd/module7/BCE_7_3.pptx
@@ -5,12 +5,13 @@
     <p:sldMasterId id="2147483648" r:id="rId1"/>
   </p:sldMasterIdLst>
   <p:notesMasterIdLst>
-    <p:notesMasterId r:id="rId5"/>
+    <p:notesMasterId r:id="rId6"/>
   </p:notesMasterIdLst>
   <p:sldIdLst>
     <p:sldId id="256" r:id="rId2"/>
     <p:sldId id="257" r:id="rId3"/>
     <p:sldId id="283" r:id="rId4"/>
+    <p:sldId id="284" r:id="rId5"/>
   </p:sldIdLst>
   <p:sldSz cx="12192000" cy="6858000"/>
   <p:notesSz cx="6858000" cy="9144000"/>
@@ -117,6 +118,7 @@
             <p14:sldId id="256"/>
             <p14:sldId id="257"/>
             <p14:sldId id="283"/>
+            <p14:sldId id="284"/>
           </p14:sldIdLst>
         </p14:section>
         <p14:section name="Using Remix 3D to Search for Models" id="{6844172C-9703-4DC7-908A-C23538616A3C}">
@@ -225,7 +227,7 @@
           <a:p>
             <a:fld id="{E4C3FCC2-4E7A-4671-AA79-177CB194E449}" type="datetimeFigureOut">
               <a:rPr lang="en-US" smtClean="0"/>
-              <a:t>2/25/19</a:t>
+              <a:t>3/4/19</a:t>
             </a:fld>
             <a:endParaRPr lang="en-US"/>
           </a:p>
@@ -2198,7 +2200,7 @@
           <a:p>
             <a:fld id="{4744E560-77BF-4D1A-B6E7-CD55CE12B1B8}" type="datetimeFigureOut">
               <a:rPr lang="en-US" smtClean="0"/>
-              <a:t>2/25/19</a:t>
+              <a:t>3/4/19</a:t>
             </a:fld>
             <a:endParaRPr lang="en-US"/>
           </a:p>
@@ -2683,7 +2685,7 @@
           <a:p>
             <a:r>
               <a:rPr lang="en-US" sz="4000" dirty="0"/>
-              <a:t>Version Control System</a:t>
+              <a:t>Network Concurrency</a:t>
             </a:r>
           </a:p>
         </p:txBody>
@@ -2743,7 +2745,7 @@
           <a:p>
             <a:r>
               <a:rPr lang="en-US" sz="3200" dirty="0"/>
-              <a:t>What is VCS</a:t>
+              <a:t>Similarities between – C/S, Push/Pull, Pub/Sub</a:t>
             </a:r>
           </a:p>
         </p:txBody>
@@ -2942,13 +2944,13 @@
           <a:p>
             <a:r>
               <a:rPr lang="en-US" dirty="0"/>
-              <a:t>VCS is a software utility that tracks and manages changes to a filesystem. </a:t>
+              <a:t>All there pattern are talking networking model for application.</a:t>
             </a:r>
           </a:p>
           <a:p>
             <a:r>
               <a:rPr lang="en-US" dirty="0"/>
-              <a:t>A VCS also offers collaborative utilities to share and integrate these filesystem changes to other VCS users.</a:t>
+              <a:t>They all need involve at least two parties, either server and client, or two machines</a:t>
             </a:r>
           </a:p>
         </p:txBody>
@@ -3008,7 +3010,7 @@
           <a:p>
             <a:r>
               <a:rPr lang="en-US" sz="3200" dirty="0"/>
-              <a:t>Git is a distributed VCS</a:t>
+              <a:t>Differences between – C/S, Push/Pull, Pub/Sub</a:t>
             </a:r>
           </a:p>
         </p:txBody>
@@ -3407,21 +3409,20 @@
           <a:p>
             <a:r>
               <a:rPr lang="en-US" dirty="0"/>
-              <a:t>Git is a distributed VCS</a:t>
+              <a:t>C/S is totally asynchronous, Push/Pull can be asynchronous or synchronous, Pub/Sub commonly is asynchronous.</a:t>
             </a:r>
           </a:p>
           <a:p>
             <a:r>
               <a:rPr lang="en-US" dirty="0"/>
-              <a:t>Git can not only allow multiple people change the files, but also provides concept of branch to allow people working parallelly. </a:t>
+              <a:t>C/S is one client corresponding one server at the same time, Push/Pull is one client and multiple resource, Pub/Sub is one server, multiple clients.</a:t>
             </a:r>
           </a:p>
           <a:p>
             <a:r>
               <a:rPr lang="en-US" dirty="0"/>
-              <a:t>Git has command to manage local change and central repository.</a:t>
-            </a:r>
-            <a:endParaRPr lang="en-US" sz="4000" dirty="0"/>
+              <a:t>C/S used to be single processing, Push/Pull is parallel but in one queue, the data is sequential, Pub/Sub is totally concurrent, you might need special mechanism to make sure the sequence of data</a:t>
+            </a:r>
           </a:p>
         </p:txBody>
       </p:sp>
@@ -3429,6 +3430,502 @@
     <p:extLst>
       <p:ext uri="{BB962C8B-B14F-4D97-AF65-F5344CB8AC3E}">
         <p14:creationId xmlns:p14="http://schemas.microsoft.com/office/powerpoint/2010/main" val="3769888781"/>
+      </p:ext>
+    </p:extLst>
+  </p:cSld>
+  <p:clrMapOvr>
+    <a:masterClrMapping/>
+  </p:clrMapOvr>
+</p:sld>
+</file>
+
+<file path=ppt/slides/slide4.xml><?xml version="1.0" encoding="utf-8"?>
+<p:sld xmlns:a="http://schemas.openxmlformats.org/drawingml/2006/main" xmlns:r="http://schemas.openxmlformats.org/officeDocument/2006/relationships" xmlns:p="http://schemas.openxmlformats.org/presentationml/2006/main">
+  <p:cSld>
+    <p:spTree>
+      <p:nvGrpSpPr>
+        <p:cNvPr id="1" name=""/>
+        <p:cNvGrpSpPr/>
+        <p:nvPr/>
+      </p:nvGrpSpPr>
+      <p:grpSpPr>
+        <a:xfrm>
+          <a:off x="0" y="0"/>
+          <a:ext cx="0" cy="0"/>
+          <a:chOff x="0" y="0"/>
+          <a:chExt cx="0" cy="0"/>
+        </a:xfrm>
+      </p:grpSpPr>
+      <p:sp>
+        <p:nvSpPr>
+          <p:cNvPr id="2" name="Title 1">
+            <a:extLst>
+              <a:ext uri="{FF2B5EF4-FFF2-40B4-BE49-F238E27FC236}">
+                <a16:creationId xmlns:a16="http://schemas.microsoft.com/office/drawing/2014/main" id="{2A31795B-A93A-416C-8052-FAF4D9073E67}"/>
+              </a:ext>
+            </a:extLst>
+          </p:cNvPr>
+          <p:cNvSpPr>
+            <a:spLocks noGrp="1"/>
+          </p:cNvSpPr>
+          <p:nvPr>
+            <p:ph type="title"/>
+          </p:nvPr>
+        </p:nvSpPr>
+        <p:spPr/>
+        <p:txBody>
+          <a:bodyPr>
+            <a:normAutofit/>
+          </a:bodyPr>
+          <a:lstStyle/>
+          <a:p>
+            <a:r>
+              <a:rPr lang="en-US" sz="3200" dirty="0"/>
+              <a:t>Relation to basement level technology</a:t>
+            </a:r>
+          </a:p>
+        </p:txBody>
+      </p:sp>
+      <p:sp>
+        <p:nvSpPr>
+          <p:cNvPr id="4" name="Text Placeholder 5" descr="2D Slides">
+            <a:extLst>
+              <a:ext uri="{FF2B5EF4-FFF2-40B4-BE49-F238E27FC236}">
+                <a16:creationId xmlns:a16="http://schemas.microsoft.com/office/drawing/2014/main" id="{5D483DB7-3925-4129-9AB3-FF75028415D3}"/>
+              </a:ext>
+            </a:extLst>
+          </p:cNvPr>
+          <p:cNvSpPr txBox="1">
+            <a:spLocks/>
+          </p:cNvSpPr>
+          <p:nvPr/>
+        </p:nvSpPr>
+        <p:spPr>
+          <a:xfrm>
+            <a:off x="1382177" y="1452563"/>
+            <a:ext cx="9564985" cy="5077446"/>
+          </a:xfrm>
+          <a:prstGeom prst="rect">
+            <a:avLst/>
+          </a:prstGeom>
+        </p:spPr>
+        <p:txBody>
+          <a:bodyPr vert="horz" lIns="91440" tIns="45720" rIns="91440" bIns="45720" rtlCol="0" anchor="t" anchorCtr="0">
+            <a:noAutofit/>
+          </a:bodyPr>
+          <a:lstStyle>
+            <a:lvl1pPr marL="228600" indent="-228600" algn="l" defTabSz="914400" rtl="0" eaLnBrk="1" latinLnBrk="0" hangingPunct="1">
+              <a:lnSpc>
+                <a:spcPct val="90000"/>
+              </a:lnSpc>
+              <a:spcBef>
+                <a:spcPts val="1000"/>
+              </a:spcBef>
+              <a:buFont typeface="Arial" panose="020B0604020202020204" pitchFamily="34" charset="0"/>
+              <a:buChar char="•"/>
+              <a:defRPr sz="2800" kern="1200">
+                <a:solidFill>
+                  <a:schemeClr val="tx1"/>
+                </a:solidFill>
+                <a:latin typeface="+mn-lt"/>
+                <a:ea typeface="+mn-ea"/>
+                <a:cs typeface="+mn-cs"/>
+              </a:defRPr>
+            </a:lvl1pPr>
+            <a:lvl2pPr marL="685800" indent="-228600" algn="l" defTabSz="914400" rtl="0" eaLnBrk="1" latinLnBrk="0" hangingPunct="1">
+              <a:lnSpc>
+                <a:spcPct val="90000"/>
+              </a:lnSpc>
+              <a:spcBef>
+                <a:spcPts val="500"/>
+              </a:spcBef>
+              <a:buFont typeface="Arial" panose="020B0604020202020204" pitchFamily="34" charset="0"/>
+              <a:buChar char="•"/>
+              <a:defRPr sz="2400" kern="1200">
+                <a:solidFill>
+                  <a:schemeClr val="tx1"/>
+                </a:solidFill>
+                <a:latin typeface="+mn-lt"/>
+                <a:ea typeface="+mn-ea"/>
+                <a:cs typeface="+mn-cs"/>
+              </a:defRPr>
+            </a:lvl2pPr>
+            <a:lvl3pPr marL="1143000" indent="-228600" algn="l" defTabSz="914400" rtl="0" eaLnBrk="1" latinLnBrk="0" hangingPunct="1">
+              <a:lnSpc>
+                <a:spcPct val="90000"/>
+              </a:lnSpc>
+              <a:spcBef>
+                <a:spcPts val="500"/>
+              </a:spcBef>
+              <a:buFont typeface="Arial" panose="020B0604020202020204" pitchFamily="34" charset="0"/>
+              <a:buChar char="•"/>
+              <a:defRPr sz="2000" kern="1200">
+                <a:solidFill>
+                  <a:schemeClr val="tx1"/>
+                </a:solidFill>
+                <a:latin typeface="+mn-lt"/>
+                <a:ea typeface="+mn-ea"/>
+                <a:cs typeface="+mn-cs"/>
+              </a:defRPr>
+            </a:lvl3pPr>
+            <a:lvl4pPr marL="1600200" indent="-228600" algn="l" defTabSz="914400" rtl="0" eaLnBrk="1" latinLnBrk="0" hangingPunct="1">
+              <a:lnSpc>
+                <a:spcPct val="90000"/>
+              </a:lnSpc>
+              <a:spcBef>
+                <a:spcPts val="500"/>
+              </a:spcBef>
+              <a:buFont typeface="Arial" panose="020B0604020202020204" pitchFamily="34" charset="0"/>
+              <a:buChar char="•"/>
+              <a:defRPr sz="1800" kern="1200">
+                <a:solidFill>
+                  <a:schemeClr val="tx1"/>
+                </a:solidFill>
+                <a:latin typeface="+mn-lt"/>
+                <a:ea typeface="+mn-ea"/>
+                <a:cs typeface="+mn-cs"/>
+              </a:defRPr>
+            </a:lvl4pPr>
+            <a:lvl5pPr marL="2057400" indent="-228600" algn="l" defTabSz="914400" rtl="0" eaLnBrk="1" latinLnBrk="0" hangingPunct="1">
+              <a:lnSpc>
+                <a:spcPct val="90000"/>
+              </a:lnSpc>
+              <a:spcBef>
+                <a:spcPts val="500"/>
+              </a:spcBef>
+              <a:buFont typeface="Arial" panose="020B0604020202020204" pitchFamily="34" charset="0"/>
+              <a:buChar char="•"/>
+              <a:defRPr sz="1800" kern="1200">
+                <a:solidFill>
+                  <a:schemeClr val="tx1"/>
+                </a:solidFill>
+                <a:latin typeface="+mn-lt"/>
+                <a:ea typeface="+mn-ea"/>
+                <a:cs typeface="+mn-cs"/>
+              </a:defRPr>
+            </a:lvl5pPr>
+            <a:lvl6pPr marL="2514600" indent="-228600" algn="l" defTabSz="914400" rtl="0" eaLnBrk="1" latinLnBrk="0" hangingPunct="1">
+              <a:lnSpc>
+                <a:spcPct val="90000"/>
+              </a:lnSpc>
+              <a:spcBef>
+                <a:spcPts val="500"/>
+              </a:spcBef>
+              <a:buFont typeface="Arial" panose="020B0604020202020204" pitchFamily="34" charset="0"/>
+              <a:buChar char="•"/>
+              <a:defRPr sz="1800" kern="1200">
+                <a:solidFill>
+                  <a:schemeClr val="tx1"/>
+                </a:solidFill>
+                <a:latin typeface="+mn-lt"/>
+                <a:ea typeface="+mn-ea"/>
+                <a:cs typeface="+mn-cs"/>
+              </a:defRPr>
+            </a:lvl6pPr>
+            <a:lvl7pPr marL="2971800" indent="-228600" algn="l" defTabSz="914400" rtl="0" eaLnBrk="1" latinLnBrk="0" hangingPunct="1">
+              <a:lnSpc>
+                <a:spcPct val="90000"/>
+              </a:lnSpc>
+              <a:spcBef>
+                <a:spcPts val="500"/>
+              </a:spcBef>
+              <a:buFont typeface="Arial" panose="020B0604020202020204" pitchFamily="34" charset="0"/>
+              <a:buChar char="•"/>
+              <a:defRPr sz="1800" kern="1200">
+                <a:solidFill>
+                  <a:schemeClr val="tx1"/>
+                </a:solidFill>
+                <a:latin typeface="+mn-lt"/>
+                <a:ea typeface="+mn-ea"/>
+                <a:cs typeface="+mn-cs"/>
+              </a:defRPr>
+            </a:lvl7pPr>
+            <a:lvl8pPr marL="3429000" indent="-228600" algn="l" defTabSz="914400" rtl="0" eaLnBrk="1" latinLnBrk="0" hangingPunct="1">
+              <a:lnSpc>
+                <a:spcPct val="90000"/>
+              </a:lnSpc>
+              <a:spcBef>
+                <a:spcPts val="500"/>
+              </a:spcBef>
+              <a:buFont typeface="Arial" panose="020B0604020202020204" pitchFamily="34" charset="0"/>
+              <a:buChar char="•"/>
+              <a:defRPr sz="1800" kern="1200">
+                <a:solidFill>
+                  <a:schemeClr val="tx1"/>
+                </a:solidFill>
+                <a:latin typeface="+mn-lt"/>
+                <a:ea typeface="+mn-ea"/>
+                <a:cs typeface="+mn-cs"/>
+              </a:defRPr>
+            </a:lvl8pPr>
+            <a:lvl9pPr marL="3886200" indent="-228600" algn="l" defTabSz="914400" rtl="0" eaLnBrk="1" latinLnBrk="0" hangingPunct="1">
+              <a:lnSpc>
+                <a:spcPct val="90000"/>
+              </a:lnSpc>
+              <a:spcBef>
+                <a:spcPts val="500"/>
+              </a:spcBef>
+              <a:buFont typeface="Arial" panose="020B0604020202020204" pitchFamily="34" charset="0"/>
+              <a:buChar char="•"/>
+              <a:defRPr sz="1800" kern="1200">
+                <a:solidFill>
+                  <a:schemeClr val="tx1"/>
+                </a:solidFill>
+                <a:latin typeface="+mn-lt"/>
+                <a:ea typeface="+mn-ea"/>
+                <a:cs typeface="+mn-cs"/>
+              </a:defRPr>
+            </a:lvl9pPr>
+          </a:lstStyle>
+          <a:p>
+            <a:endParaRPr lang="en-US" dirty="0">
+              <a:latin typeface="+mj-lt"/>
+              <a:ea typeface="+mj-ea"/>
+              <a:cs typeface="+mj-cs"/>
+            </a:endParaRPr>
+          </a:p>
+        </p:txBody>
+      </p:sp>
+      <p:sp>
+        <p:nvSpPr>
+          <p:cNvPr id="5" name="Text Placeholder 5" descr="2D Slides">
+            <a:extLst>
+              <a:ext uri="{FF2B5EF4-FFF2-40B4-BE49-F238E27FC236}">
+                <a16:creationId xmlns:a16="http://schemas.microsoft.com/office/drawing/2014/main" id="{CD60989B-1B76-F648-83AE-3E39D92CC5D5}"/>
+              </a:ext>
+            </a:extLst>
+          </p:cNvPr>
+          <p:cNvSpPr txBox="1">
+            <a:spLocks/>
+          </p:cNvSpPr>
+          <p:nvPr/>
+        </p:nvSpPr>
+        <p:spPr>
+          <a:xfrm>
+            <a:off x="1382177" y="1452563"/>
+            <a:ext cx="9564985" cy="4652023"/>
+          </a:xfrm>
+          <a:prstGeom prst="rect">
+            <a:avLst/>
+          </a:prstGeom>
+        </p:spPr>
+        <p:txBody>
+          <a:bodyPr vert="horz" lIns="91440" tIns="45720" rIns="91440" bIns="45720" rtlCol="0" anchor="t" anchorCtr="0">
+            <a:noAutofit/>
+          </a:bodyPr>
+          <a:lstStyle>
+            <a:lvl1pPr marL="228600" indent="-228600" algn="l" defTabSz="914400" rtl="0" eaLnBrk="1" latinLnBrk="0" hangingPunct="1">
+              <a:lnSpc>
+                <a:spcPct val="90000"/>
+              </a:lnSpc>
+              <a:spcBef>
+                <a:spcPts val="1000"/>
+              </a:spcBef>
+              <a:buFont typeface="Arial" panose="020B0604020202020204" pitchFamily="34" charset="0"/>
+              <a:buChar char="•"/>
+              <a:defRPr sz="2800" kern="1200">
+                <a:solidFill>
+                  <a:schemeClr val="tx1"/>
+                </a:solidFill>
+                <a:latin typeface="+mn-lt"/>
+                <a:ea typeface="+mn-ea"/>
+                <a:cs typeface="+mn-cs"/>
+              </a:defRPr>
+            </a:lvl1pPr>
+            <a:lvl2pPr marL="685800" indent="-228600" algn="l" defTabSz="914400" rtl="0" eaLnBrk="1" latinLnBrk="0" hangingPunct="1">
+              <a:lnSpc>
+                <a:spcPct val="90000"/>
+              </a:lnSpc>
+              <a:spcBef>
+                <a:spcPts val="500"/>
+              </a:spcBef>
+              <a:buFont typeface="Arial" panose="020B0604020202020204" pitchFamily="34" charset="0"/>
+              <a:buChar char="•"/>
+              <a:defRPr sz="2400" kern="1200">
+                <a:solidFill>
+                  <a:schemeClr val="tx1"/>
+                </a:solidFill>
+                <a:latin typeface="+mn-lt"/>
+                <a:ea typeface="+mn-ea"/>
+                <a:cs typeface="+mn-cs"/>
+              </a:defRPr>
+            </a:lvl2pPr>
+            <a:lvl3pPr marL="1143000" indent="-228600" algn="l" defTabSz="914400" rtl="0" eaLnBrk="1" latinLnBrk="0" hangingPunct="1">
+              <a:lnSpc>
+                <a:spcPct val="90000"/>
+              </a:lnSpc>
+              <a:spcBef>
+                <a:spcPts val="500"/>
+              </a:spcBef>
+              <a:buFont typeface="Arial" panose="020B0604020202020204" pitchFamily="34" charset="0"/>
+              <a:buChar char="•"/>
+              <a:defRPr sz="2000" kern="1200">
+                <a:solidFill>
+                  <a:schemeClr val="tx1"/>
+                </a:solidFill>
+                <a:latin typeface="+mn-lt"/>
+                <a:ea typeface="+mn-ea"/>
+                <a:cs typeface="+mn-cs"/>
+              </a:defRPr>
+            </a:lvl3pPr>
+            <a:lvl4pPr marL="1600200" indent="-228600" algn="l" defTabSz="914400" rtl="0" eaLnBrk="1" latinLnBrk="0" hangingPunct="1">
+              <a:lnSpc>
+                <a:spcPct val="90000"/>
+              </a:lnSpc>
+              <a:spcBef>
+                <a:spcPts val="500"/>
+              </a:spcBef>
+              <a:buFont typeface="Arial" panose="020B0604020202020204" pitchFamily="34" charset="0"/>
+              <a:buChar char="•"/>
+              <a:defRPr sz="1800" kern="1200">
+                <a:solidFill>
+                  <a:schemeClr val="tx1"/>
+                </a:solidFill>
+                <a:latin typeface="+mn-lt"/>
+                <a:ea typeface="+mn-ea"/>
+                <a:cs typeface="+mn-cs"/>
+              </a:defRPr>
+            </a:lvl4pPr>
+            <a:lvl5pPr marL="2057400" indent="-228600" algn="l" defTabSz="914400" rtl="0" eaLnBrk="1" latinLnBrk="0" hangingPunct="1">
+              <a:lnSpc>
+                <a:spcPct val="90000"/>
+              </a:lnSpc>
+              <a:spcBef>
+                <a:spcPts val="500"/>
+              </a:spcBef>
+              <a:buFont typeface="Arial" panose="020B0604020202020204" pitchFamily="34" charset="0"/>
+              <a:buChar char="•"/>
+              <a:defRPr sz="1800" kern="1200">
+                <a:solidFill>
+                  <a:schemeClr val="tx1"/>
+                </a:solidFill>
+                <a:latin typeface="+mn-lt"/>
+                <a:ea typeface="+mn-ea"/>
+                <a:cs typeface="+mn-cs"/>
+              </a:defRPr>
+            </a:lvl5pPr>
+            <a:lvl6pPr marL="2514600" indent="-228600" algn="l" defTabSz="914400" rtl="0" eaLnBrk="1" latinLnBrk="0" hangingPunct="1">
+              <a:lnSpc>
+                <a:spcPct val="90000"/>
+              </a:lnSpc>
+              <a:spcBef>
+                <a:spcPts val="500"/>
+              </a:spcBef>
+              <a:buFont typeface="Arial" panose="020B0604020202020204" pitchFamily="34" charset="0"/>
+              <a:buChar char="•"/>
+              <a:defRPr sz="1800" kern="1200">
+                <a:solidFill>
+                  <a:schemeClr val="tx1"/>
+                </a:solidFill>
+                <a:latin typeface="+mn-lt"/>
+                <a:ea typeface="+mn-ea"/>
+                <a:cs typeface="+mn-cs"/>
+              </a:defRPr>
+            </a:lvl6pPr>
+            <a:lvl7pPr marL="2971800" indent="-228600" algn="l" defTabSz="914400" rtl="0" eaLnBrk="1" latinLnBrk="0" hangingPunct="1">
+              <a:lnSpc>
+                <a:spcPct val="90000"/>
+              </a:lnSpc>
+              <a:spcBef>
+                <a:spcPts val="500"/>
+              </a:spcBef>
+              <a:buFont typeface="Arial" panose="020B0604020202020204" pitchFamily="34" charset="0"/>
+              <a:buChar char="•"/>
+              <a:defRPr sz="1800" kern="1200">
+                <a:solidFill>
+                  <a:schemeClr val="tx1"/>
+                </a:solidFill>
+                <a:latin typeface="+mn-lt"/>
+                <a:ea typeface="+mn-ea"/>
+                <a:cs typeface="+mn-cs"/>
+              </a:defRPr>
+            </a:lvl7pPr>
+            <a:lvl8pPr marL="3429000" indent="-228600" algn="l" defTabSz="914400" rtl="0" eaLnBrk="1" latinLnBrk="0" hangingPunct="1">
+              <a:lnSpc>
+                <a:spcPct val="90000"/>
+              </a:lnSpc>
+              <a:spcBef>
+                <a:spcPts val="500"/>
+              </a:spcBef>
+              <a:buFont typeface="Arial" panose="020B0604020202020204" pitchFamily="34" charset="0"/>
+              <a:buChar char="•"/>
+              <a:defRPr sz="1800" kern="1200">
+                <a:solidFill>
+                  <a:schemeClr val="tx1"/>
+                </a:solidFill>
+                <a:latin typeface="+mn-lt"/>
+                <a:ea typeface="+mn-ea"/>
+                <a:cs typeface="+mn-cs"/>
+              </a:defRPr>
+            </a:lvl8pPr>
+            <a:lvl9pPr marL="3886200" indent="-228600" algn="l" defTabSz="914400" rtl="0" eaLnBrk="1" latinLnBrk="0" hangingPunct="1">
+              <a:lnSpc>
+                <a:spcPct val="90000"/>
+              </a:lnSpc>
+              <a:spcBef>
+                <a:spcPts val="500"/>
+              </a:spcBef>
+              <a:buFont typeface="Arial" panose="020B0604020202020204" pitchFamily="34" charset="0"/>
+              <a:buChar char="•"/>
+              <a:defRPr sz="1800" kern="1200">
+                <a:solidFill>
+                  <a:schemeClr val="tx1"/>
+                </a:solidFill>
+                <a:latin typeface="+mn-lt"/>
+                <a:ea typeface="+mn-ea"/>
+                <a:cs typeface="+mn-cs"/>
+              </a:defRPr>
+            </a:lvl9pPr>
+          </a:lstStyle>
+          <a:p>
+            <a:r>
+              <a:rPr lang="en-US" dirty="0"/>
+              <a:t>TCP is synchronous, and deliver guaranteed network protocol, UDP is no sequential, no deliver guaranteed network protocol.</a:t>
+            </a:r>
+          </a:p>
+          <a:p>
+            <a:r>
+              <a:rPr lang="en-US" dirty="0"/>
+              <a:t>TCP works with C/S well, UDP works with Pub/Sub better.</a:t>
+            </a:r>
+          </a:p>
+          <a:p>
+            <a:r>
+              <a:rPr lang="en-US" dirty="0"/>
+              <a:t>But every patterns can use any of the protocols with some adjustment.</a:t>
+            </a:r>
+          </a:p>
+          <a:p>
+            <a:pPr lvl="1"/>
+            <a:r>
+              <a:rPr lang="en-US" dirty="0" err="1"/>
+              <a:t>Eg</a:t>
+            </a:r>
+            <a:r>
+              <a:rPr lang="en-US" dirty="0"/>
+              <a:t>: You can use C/S with UDP, but adding the logic that make sure the packet delivered and re-transfer when the data was not delivered.</a:t>
+            </a:r>
+          </a:p>
+          <a:p>
+            <a:pPr lvl="1"/>
+            <a:r>
+              <a:rPr lang="en-US" dirty="0"/>
+              <a:t>It also possible uses Pub/Sub pattern with TCP if the client(listener) are not big numbers.</a:t>
+            </a:r>
+          </a:p>
+          <a:p>
+            <a:pPr lvl="1"/>
+            <a:r>
+              <a:rPr lang="en-US" dirty="0"/>
+              <a:t>A example that in B/S world, browser used to use TCP/IP, which is synchronous, but AJAX brings asynchronous pattern in web application.</a:t>
+            </a:r>
+          </a:p>
+        </p:txBody>
+      </p:sp>
+    </p:spTree>
+    <p:extLst>
+      <p:ext uri="{BB962C8B-B14F-4D97-AF65-F5344CB8AC3E}">
+        <p14:creationId xmlns:p14="http://schemas.microsoft.com/office/powerpoint/2010/main" val="492245723"/>
       </p:ext>
     </p:extLst>
   </p:cSld>
